--- a/6_Tips/02_ExportCSV/ExportCSV.pptx
+++ b/6_Tips/02_ExportCSV/ExportCSV.pptx
@@ -5,13 +5,14 @@
     <p:sldMasterId id="2147483648" r:id="rId1"/>
   </p:sldMasterIdLst>
   <p:notesMasterIdLst>
-    <p:notesMasterId r:id="rId6"/>
+    <p:notesMasterId r:id="rId7"/>
   </p:notesMasterIdLst>
   <p:sldIdLst>
-    <p:sldId id="301" r:id="rId2"/>
-    <p:sldId id="302" r:id="rId3"/>
-    <p:sldId id="303" r:id="rId4"/>
-    <p:sldId id="304" r:id="rId5"/>
+    <p:sldId id="256" r:id="rId2"/>
+    <p:sldId id="301" r:id="rId3"/>
+    <p:sldId id="302" r:id="rId4"/>
+    <p:sldId id="303" r:id="rId5"/>
+    <p:sldId id="304" r:id="rId6"/>
   </p:sldIdLst>
   <p:sldSz cx="12192000" cy="6858000"/>
   <p:notesSz cx="6858000" cy="9144000"/>
@@ -211,7 +212,7 @@
           <a:p>
             <a:fld id="{C4670700-DA66-4BAD-8F9F-A4A758D36ABA}" type="datetimeFigureOut">
               <a:rPr kumimoji="1" lang="ja-JP" altLang="en-US" smtClean="0"/>
-              <a:t>2019/2/25</a:t>
+              <a:t>2019/2/26</a:t>
             </a:fld>
             <a:endParaRPr kumimoji="1" lang="ja-JP" altLang="en-US"/>
           </a:p>
@@ -657,7 +658,7 @@
           <a:p>
             <a:fld id="{CA2F2FF0-B0E3-4081-A194-5315B26D72C4}" type="datetime1">
               <a:rPr kumimoji="1" lang="ja-JP" altLang="en-US" smtClean="0"/>
-              <a:t>2019/2/25</a:t>
+              <a:t>2019/2/26</a:t>
             </a:fld>
             <a:endParaRPr kumimoji="1" lang="ja-JP" altLang="en-US"/>
           </a:p>
@@ -887,7 +888,7 @@
           <a:p>
             <a:fld id="{AA0CF445-3D47-45EB-B7B9-640298F78945}" type="datetime1">
               <a:rPr kumimoji="1" lang="ja-JP" altLang="en-US" smtClean="0"/>
-              <a:t>2019/2/25</a:t>
+              <a:t>2019/2/26</a:t>
             </a:fld>
             <a:endParaRPr kumimoji="1" lang="ja-JP" altLang="en-US"/>
           </a:p>
@@ -1127,7 +1128,7 @@
           <a:p>
             <a:fld id="{33274D65-32BF-448B-ADBF-66DCA4E8B106}" type="datetime1">
               <a:rPr kumimoji="1" lang="ja-JP" altLang="en-US" smtClean="0"/>
-              <a:t>2019/2/25</a:t>
+              <a:t>2019/2/26</a:t>
             </a:fld>
             <a:endParaRPr kumimoji="1" lang="ja-JP" altLang="en-US"/>
           </a:p>
@@ -1357,7 +1358,7 @@
           <a:p>
             <a:fld id="{852A9B57-A7E8-419F-90A8-90F2DA777A28}" type="datetime1">
               <a:rPr kumimoji="1" lang="ja-JP" altLang="en-US" smtClean="0"/>
-              <a:t>2019/2/25</a:t>
+              <a:t>2019/2/26</a:t>
             </a:fld>
             <a:endParaRPr kumimoji="1" lang="ja-JP" altLang="en-US"/>
           </a:p>
@@ -1632,7 +1633,7 @@
           <a:p>
             <a:fld id="{C90A889C-334E-44BD-8F41-5AC3386FFD37}" type="datetime1">
               <a:rPr kumimoji="1" lang="ja-JP" altLang="en-US" smtClean="0"/>
-              <a:t>2019/2/25</a:t>
+              <a:t>2019/2/26</a:t>
             </a:fld>
             <a:endParaRPr kumimoji="1" lang="ja-JP" altLang="en-US"/>
           </a:p>
@@ -1961,7 +1962,7 @@
           <a:p>
             <a:fld id="{58879D4E-6DF1-4713-B068-9512627C39B0}" type="datetime1">
               <a:rPr kumimoji="1" lang="ja-JP" altLang="en-US" smtClean="0"/>
-              <a:t>2019/2/25</a:t>
+              <a:t>2019/2/26</a:t>
             </a:fld>
             <a:endParaRPr kumimoji="1" lang="ja-JP" altLang="en-US"/>
           </a:p>
@@ -2437,7 +2438,7 @@
           <a:p>
             <a:fld id="{5DD38707-5E34-46C7-88C2-928145620E78}" type="datetime1">
               <a:rPr kumimoji="1" lang="ja-JP" altLang="en-US" smtClean="0"/>
-              <a:t>2019/2/25</a:t>
+              <a:t>2019/2/26</a:t>
             </a:fld>
             <a:endParaRPr kumimoji="1" lang="ja-JP" altLang="en-US"/>
           </a:p>
@@ -2578,7 +2579,7 @@
           <a:p>
             <a:fld id="{C7D5EE7D-C0B7-4B25-8104-5FCD7D2EAEA8}" type="datetime1">
               <a:rPr kumimoji="1" lang="ja-JP" altLang="en-US" smtClean="0"/>
-              <a:t>2019/2/25</a:t>
+              <a:t>2019/2/26</a:t>
             </a:fld>
             <a:endParaRPr kumimoji="1" lang="ja-JP" altLang="en-US"/>
           </a:p>
@@ -2691,7 +2692,7 @@
           <a:p>
             <a:fld id="{AA028A9A-8812-42D8-A8AC-F30CD1F57465}" type="datetime1">
               <a:rPr kumimoji="1" lang="ja-JP" altLang="en-US" smtClean="0"/>
-              <a:t>2019/2/25</a:t>
+              <a:t>2019/2/26</a:t>
             </a:fld>
             <a:endParaRPr kumimoji="1" lang="ja-JP" altLang="en-US"/>
           </a:p>
@@ -3034,7 +3035,7 @@
           <a:p>
             <a:fld id="{3638306A-7D11-4239-9371-3BFB25B5C686}" type="datetime1">
               <a:rPr kumimoji="1" lang="ja-JP" altLang="en-US" smtClean="0"/>
-              <a:t>2019/2/25</a:t>
+              <a:t>2019/2/26</a:t>
             </a:fld>
             <a:endParaRPr kumimoji="1" lang="ja-JP" altLang="en-US"/>
           </a:p>
@@ -3322,7 +3323,7 @@
           <a:p>
             <a:fld id="{25F8348D-66EA-4186-BB0B-99FB286568FF}" type="datetime1">
               <a:rPr kumimoji="1" lang="ja-JP" altLang="en-US" smtClean="0"/>
-              <a:t>2019/2/25</a:t>
+              <a:t>2019/2/26</a:t>
             </a:fld>
             <a:endParaRPr kumimoji="1" lang="ja-JP" altLang="en-US"/>
           </a:p>
@@ -3595,7 +3596,7 @@
           <a:p>
             <a:fld id="{AC9BD3EC-C0C8-40A6-81F1-9BBFA037EF8B}" type="datetime1">
               <a:rPr kumimoji="1" lang="ja-JP" altLang="en-US" smtClean="0"/>
-              <a:t>2019/2/25</a:t>
+              <a:t>2019/2/26</a:t>
             </a:fld>
             <a:endParaRPr kumimoji="1" lang="ja-JP" altLang="en-US"/>
           </a:p>
@@ -4015,6 +4016,284 @@
       </p:grpSpPr>
       <p:sp>
         <p:nvSpPr>
+          <p:cNvPr id="6" name="テキスト ボックス 5">
+            <a:extLst>
+              <a:ext uri="{FF2B5EF4-FFF2-40B4-BE49-F238E27FC236}">
+                <a16:creationId xmlns:a16="http://schemas.microsoft.com/office/drawing/2014/main" id="{1F0A6FEE-5F30-47CD-92B6-24311CE0EC92}"/>
+              </a:ext>
+            </a:extLst>
+          </p:cNvPr>
+          <p:cNvSpPr txBox="1"/>
+          <p:nvPr/>
+        </p:nvSpPr>
+        <p:spPr>
+          <a:xfrm>
+            <a:off x="905809" y="1748268"/>
+            <a:ext cx="10676321" cy="830997"/>
+          </a:xfrm>
+          <a:prstGeom prst="rect">
+            <a:avLst/>
+          </a:prstGeom>
+          <a:noFill/>
+        </p:spPr>
+        <p:txBody>
+          <a:bodyPr wrap="none" rtlCol="0">
+            <a:spAutoFit/>
+          </a:bodyPr>
+          <a:lstStyle/>
+          <a:p>
+            <a:r>
+              <a:rPr kumimoji="1" lang="en-US" altLang="ja-JP" sz="4800" b="1" u="sng" dirty="0" err="1"/>
+              <a:t>OpenModelica</a:t>
+            </a:r>
+            <a:r>
+              <a:rPr kumimoji="1" lang="ja-JP" altLang="en-US" sz="4800" b="1" u="sng" dirty="0"/>
+              <a:t>超初級チュートリアル</a:t>
+            </a:r>
+          </a:p>
+        </p:txBody>
+      </p:sp>
+      <p:sp>
+        <p:nvSpPr>
+          <p:cNvPr id="2" name="正方形/長方形 1">
+            <a:extLst>
+              <a:ext uri="{FF2B5EF4-FFF2-40B4-BE49-F238E27FC236}">
+                <a16:creationId xmlns:a16="http://schemas.microsoft.com/office/drawing/2014/main" id="{A3839584-586E-4BF7-B7D0-CF7E5BDF7807}"/>
+              </a:ext>
+            </a:extLst>
+          </p:cNvPr>
+          <p:cNvSpPr/>
+          <p:nvPr/>
+        </p:nvSpPr>
+        <p:spPr>
+          <a:xfrm>
+            <a:off x="4596230" y="3013501"/>
+            <a:ext cx="2999539" cy="830997"/>
+          </a:xfrm>
+          <a:prstGeom prst="rect">
+            <a:avLst/>
+          </a:prstGeom>
+        </p:spPr>
+        <p:txBody>
+          <a:bodyPr wrap="none">
+            <a:spAutoFit/>
+          </a:bodyPr>
+          <a:lstStyle/>
+          <a:p>
+            <a:r>
+              <a:rPr lang="en-US" altLang="ja-JP" sz="4800" b="1" dirty="0">
+                <a:solidFill>
+                  <a:srgbClr val="FF0000"/>
+                </a:solidFill>
+              </a:rPr>
+              <a:t>6</a:t>
+            </a:r>
+            <a:r>
+              <a:rPr lang="ja-JP" altLang="en-US" sz="4800" b="1" dirty="0" err="1">
+                <a:solidFill>
+                  <a:srgbClr val="FF0000"/>
+                </a:solidFill>
+              </a:rPr>
+              <a:t>．</a:t>
+            </a:r>
+            <a:r>
+              <a:rPr lang="ja-JP" altLang="en-US" sz="4800" b="1" dirty="0">
+                <a:solidFill>
+                  <a:srgbClr val="FF0000"/>
+                </a:solidFill>
+              </a:rPr>
+              <a:t>便利技</a:t>
+            </a:r>
+            <a:endParaRPr lang="en-US" altLang="ja-JP" sz="4800" b="1" dirty="0">
+              <a:solidFill>
+                <a:srgbClr val="FF0000"/>
+              </a:solidFill>
+            </a:endParaRPr>
+          </a:p>
+        </p:txBody>
+      </p:sp>
+      <p:sp>
+        <p:nvSpPr>
+          <p:cNvPr id="5" name="スライド番号プレースホルダー 4">
+            <a:extLst>
+              <a:ext uri="{FF2B5EF4-FFF2-40B4-BE49-F238E27FC236}">
+                <a16:creationId xmlns:a16="http://schemas.microsoft.com/office/drawing/2014/main" id="{C270AC0B-4708-4A2D-90BF-07CDBA702A3C}"/>
+              </a:ext>
+            </a:extLst>
+          </p:cNvPr>
+          <p:cNvSpPr>
+            <a:spLocks noGrp="1"/>
+          </p:cNvSpPr>
+          <p:nvPr>
+            <p:ph type="sldNum" sz="quarter" idx="12"/>
+          </p:nvPr>
+        </p:nvSpPr>
+        <p:spPr/>
+        <p:txBody>
+          <a:bodyPr/>
+          <a:lstStyle/>
+          <a:p>
+            <a:fld id="{D836F367-8F14-4921-8441-15DE2D973248}" type="slidenum">
+              <a:rPr kumimoji="1" lang="ja-JP" altLang="en-US" smtClean="0"/>
+              <a:t>1</a:t>
+            </a:fld>
+            <a:endParaRPr kumimoji="1" lang="ja-JP" altLang="en-US"/>
+          </a:p>
+        </p:txBody>
+      </p:sp>
+      <p:sp>
+        <p:nvSpPr>
+          <p:cNvPr id="7" name="正方形/長方形 6">
+            <a:extLst>
+              <a:ext uri="{FF2B5EF4-FFF2-40B4-BE49-F238E27FC236}">
+                <a16:creationId xmlns:a16="http://schemas.microsoft.com/office/drawing/2014/main" id="{7AA58E1A-71F5-4213-BA60-B3FBF0C5484F}"/>
+              </a:ext>
+            </a:extLst>
+          </p:cNvPr>
+          <p:cNvSpPr/>
+          <p:nvPr/>
+        </p:nvSpPr>
+        <p:spPr>
+          <a:xfrm>
+            <a:off x="3230707" y="5796050"/>
+            <a:ext cx="6096000" cy="1200329"/>
+          </a:xfrm>
+          <a:prstGeom prst="rect">
+            <a:avLst/>
+          </a:prstGeom>
+        </p:spPr>
+        <p:txBody>
+          <a:bodyPr>
+            <a:spAutoFit/>
+          </a:bodyPr>
+          <a:lstStyle/>
+          <a:p>
+            <a:pPr algn="ctr"/>
+            <a:r>
+              <a:rPr lang="en-US" altLang="ja-JP" dirty="0"/>
+              <a:t>Copyright (C) 2019 Shigenori Ueda</a:t>
+            </a:r>
+          </a:p>
+          <a:p>
+            <a:pPr algn="ctr"/>
+            <a:r>
+              <a:rPr lang="en-US" altLang="ja-JP" dirty="0"/>
+              <a:t>Released under the MIT license</a:t>
+            </a:r>
+          </a:p>
+          <a:p>
+            <a:pPr algn="ctr"/>
+            <a:r>
+              <a:rPr lang="en-US" altLang="ja-JP" dirty="0">
+                <a:hlinkClick r:id="rId2"/>
+              </a:rPr>
+              <a:t>https://opensource.org/licenses/mit-license.php</a:t>
+            </a:r>
+            <a:endParaRPr lang="en-US" altLang="ja-JP" dirty="0"/>
+          </a:p>
+          <a:p>
+            <a:pPr algn="ctr"/>
+            <a:endParaRPr lang="en-US" altLang="ja-JP" dirty="0"/>
+          </a:p>
+        </p:txBody>
+      </p:sp>
+      <p:sp>
+        <p:nvSpPr>
+          <p:cNvPr id="8" name="Shape 130">
+            <a:extLst>
+              <a:ext uri="{FF2B5EF4-FFF2-40B4-BE49-F238E27FC236}">
+                <a16:creationId xmlns:a16="http://schemas.microsoft.com/office/drawing/2014/main" id="{95BAC8AE-A327-40F3-AF3C-6CA951CE03B8}"/>
+              </a:ext>
+            </a:extLst>
+          </p:cNvPr>
+          <p:cNvSpPr/>
+          <p:nvPr/>
+        </p:nvSpPr>
+        <p:spPr>
+          <a:xfrm>
+            <a:off x="4218190" y="4278734"/>
+            <a:ext cx="4051558" cy="595035"/>
+          </a:xfrm>
+          <a:prstGeom prst="rect">
+            <a:avLst/>
+          </a:prstGeom>
+          <a:ln w="12700">
+            <a:miter lim="400000"/>
+          </a:ln>
+          <a:extLst>
+            <a:ext uri="{C572A759-6A51-4108-AA02-DFA0A04FC94B}">
+              <ma14:wrappingTextBoxFlag xmlns="" xmlns:ma14="http://schemas.microsoft.com/office/mac/drawingml/2011/main" val="1"/>
+            </a:ext>
+          </a:extLst>
+        </p:spPr>
+        <p:txBody>
+          <a:bodyPr wrap="none" lIns="50800" tIns="50800" rIns="50800" bIns="50800" anchor="ctr">
+            <a:spAutoFit/>
+          </a:bodyPr>
+          <a:lstStyle/>
+          <a:p>
+            <a:pPr>
+              <a:defRPr sz="3100" u="sng">
+                <a:latin typeface="YuMincho Medium"/>
+                <a:ea typeface="YuMincho Medium"/>
+                <a:cs typeface="YuMincho Medium"/>
+                <a:sym typeface="YuMincho Medium"/>
+              </a:defRPr>
+            </a:pPr>
+            <a:r>
+              <a:rPr lang="ja-JP" altLang="en-US" sz="3200" b="1" dirty="0">
+                <a:ea typeface="Meiryo UI" panose="020B0604030504040204" pitchFamily="50" charset="-128"/>
+              </a:rPr>
+              <a:t>結果値を</a:t>
+            </a:r>
+            <a:r>
+              <a:rPr lang="en-US" altLang="ja-JP" sz="3200" b="1" dirty="0">
+                <a:ea typeface="Meiryo UI" panose="020B0604030504040204" pitchFamily="50" charset="-128"/>
+              </a:rPr>
+              <a:t>csv</a:t>
+            </a:r>
+            <a:r>
+              <a:rPr lang="ja-JP" altLang="en-US" sz="3200" b="1" dirty="0">
+                <a:ea typeface="Meiryo UI" panose="020B0604030504040204" pitchFamily="50" charset="-128"/>
+              </a:rPr>
+              <a:t>で出力する</a:t>
+            </a:r>
+            <a:endParaRPr lang="en-US" altLang="ja-JP" b="1" dirty="0"/>
+          </a:p>
+        </p:txBody>
+      </p:sp>
+    </p:spTree>
+    <p:extLst>
+      <p:ext uri="{BB962C8B-B14F-4D97-AF65-F5344CB8AC3E}">
+        <p14:creationId xmlns:p14="http://schemas.microsoft.com/office/powerpoint/2010/main" val="1654236437"/>
+      </p:ext>
+    </p:extLst>
+  </p:cSld>
+  <p:clrMapOvr>
+    <a:masterClrMapping/>
+  </p:clrMapOvr>
+</p:sld>
+</file>
+
+<file path=ppt/slides/slide2.xml><?xml version="1.0" encoding="utf-8"?>
+<p:sld xmlns:a="http://schemas.openxmlformats.org/drawingml/2006/main" xmlns:r="http://schemas.openxmlformats.org/officeDocument/2006/relationships" xmlns:p="http://schemas.openxmlformats.org/presentationml/2006/main">
+  <p:cSld>
+    <p:spTree>
+      <p:nvGrpSpPr>
+        <p:cNvPr id="1" name=""/>
+        <p:cNvGrpSpPr/>
+        <p:nvPr/>
+      </p:nvGrpSpPr>
+      <p:grpSpPr>
+        <a:xfrm>
+          <a:off x="0" y="0"/>
+          <a:ext cx="0" cy="0"/>
+          <a:chOff x="0" y="0"/>
+          <a:chExt cx="0" cy="0"/>
+        </a:xfrm>
+      </p:grpSpPr>
+      <p:sp>
+        <p:nvSpPr>
           <p:cNvPr id="19" name="Shape 130">
             <a:extLst>
               <a:ext uri="{FF2B5EF4-FFF2-40B4-BE49-F238E27FC236}">
@@ -4038,7 +4317,7 @@
           </a:ln>
           <a:extLst>
             <a:ext uri="{C572A759-6A51-4108-AA02-DFA0A04FC94B}">
-              <ma14:wrappingTextBoxFlag xmlns:ma14="http://schemas.microsoft.com/office/mac/drawingml/2011/main" xmlns="" val="1"/>
+              <ma14:wrappingTextBoxFlag xmlns="" xmlns:ma14="http://schemas.microsoft.com/office/mac/drawingml/2011/main" val="1"/>
             </a:ext>
           </a:extLst>
         </p:spPr>
@@ -4101,7 +4380,7 @@
           <a:p>
             <a:fld id="{D836F367-8F14-4921-8441-15DE2D973248}" type="slidenum">
               <a:rPr kumimoji="1" lang="ja-JP" altLang="en-US" smtClean="0"/>
-              <a:t>1</a:t>
+              <a:t>2</a:t>
             </a:fld>
             <a:endParaRPr kumimoji="1" lang="ja-JP" altLang="en-US"/>
           </a:p>
@@ -4540,7 +4819,7 @@
 </p:sld>
 </file>
 
-<file path=ppt/slides/slide2.xml><?xml version="1.0" encoding="utf-8"?>
+<file path=ppt/slides/slide3.xml><?xml version="1.0" encoding="utf-8"?>
 <p:sld xmlns:a="http://schemas.openxmlformats.org/drawingml/2006/main" xmlns:r="http://schemas.openxmlformats.org/officeDocument/2006/relationships" xmlns:p="http://schemas.openxmlformats.org/presentationml/2006/main">
   <p:cSld>
     <p:spTree>
@@ -4580,7 +4859,7 @@
           <a:p>
             <a:fld id="{D836F367-8F14-4921-8441-15DE2D973248}" type="slidenum">
               <a:rPr kumimoji="1" lang="ja-JP" altLang="en-US" smtClean="0"/>
-              <a:t>2</a:t>
+              <a:t>3</a:t>
             </a:fld>
             <a:endParaRPr kumimoji="1" lang="ja-JP" altLang="en-US"/>
           </a:p>
@@ -4641,7 +4920,7 @@
           </a:ln>
           <a:extLst>
             <a:ext uri="{C572A759-6A51-4108-AA02-DFA0A04FC94B}">
-              <ma14:wrappingTextBoxFlag xmlns:ma14="http://schemas.microsoft.com/office/mac/drawingml/2011/main" xmlns="" val="1"/>
+              <ma14:wrappingTextBoxFlag xmlns="" xmlns:ma14="http://schemas.microsoft.com/office/mac/drawingml/2011/main" val="1"/>
             </a:ext>
           </a:extLst>
         </p:spPr>
@@ -4843,7 +5122,7 @@
 </p:sld>
 </file>
 
-<file path=ppt/slides/slide3.xml><?xml version="1.0" encoding="utf-8"?>
+<file path=ppt/slides/slide4.xml><?xml version="1.0" encoding="utf-8"?>
 <p:sld xmlns:a="http://schemas.openxmlformats.org/drawingml/2006/main" xmlns:r="http://schemas.openxmlformats.org/officeDocument/2006/relationships" xmlns:p="http://schemas.openxmlformats.org/presentationml/2006/main">
   <p:cSld>
     <p:spTree>
@@ -4883,7 +5162,7 @@
           <a:p>
             <a:fld id="{D836F367-8F14-4921-8441-15DE2D973248}" type="slidenum">
               <a:rPr kumimoji="1" lang="ja-JP" altLang="en-US" smtClean="0"/>
-              <a:t>3</a:t>
+              <a:t>4</a:t>
             </a:fld>
             <a:endParaRPr kumimoji="1" lang="ja-JP" altLang="en-US"/>
           </a:p>
@@ -4944,7 +5223,7 @@
           </a:ln>
           <a:extLst>
             <a:ext uri="{C572A759-6A51-4108-AA02-DFA0A04FC94B}">
-              <ma14:wrappingTextBoxFlag xmlns:ma14="http://schemas.microsoft.com/office/mac/drawingml/2011/main" xmlns="" val="1"/>
+              <ma14:wrappingTextBoxFlag xmlns="" xmlns:ma14="http://schemas.microsoft.com/office/mac/drawingml/2011/main" val="1"/>
             </a:ext>
           </a:extLst>
         </p:spPr>
@@ -5293,7 +5572,7 @@
 </p:sld>
 </file>
 
-<file path=ppt/slides/slide4.xml><?xml version="1.0" encoding="utf-8"?>
+<file path=ppt/slides/slide5.xml><?xml version="1.0" encoding="utf-8"?>
 <p:sld xmlns:a="http://schemas.openxmlformats.org/drawingml/2006/main" xmlns:r="http://schemas.openxmlformats.org/officeDocument/2006/relationships" xmlns:p="http://schemas.openxmlformats.org/presentationml/2006/main">
   <p:cSld>
     <p:spTree>
@@ -5333,7 +5612,7 @@
           <a:p>
             <a:fld id="{D836F367-8F14-4921-8441-15DE2D973248}" type="slidenum">
               <a:rPr kumimoji="1" lang="ja-JP" altLang="en-US" smtClean="0"/>
-              <a:t>4</a:t>
+              <a:t>5</a:t>
             </a:fld>
             <a:endParaRPr kumimoji="1" lang="ja-JP" altLang="en-US"/>
           </a:p>
@@ -5364,7 +5643,7 @@
           </a:ln>
           <a:extLst>
             <a:ext uri="{C572A759-6A51-4108-AA02-DFA0A04FC94B}">
-              <ma14:wrappingTextBoxFlag xmlns:ma14="http://schemas.microsoft.com/office/mac/drawingml/2011/main" xmlns="" val="1"/>
+              <ma14:wrappingTextBoxFlag xmlns="" xmlns:ma14="http://schemas.microsoft.com/office/mac/drawingml/2011/main" val="1"/>
             </a:ext>
           </a:extLst>
         </p:spPr>
